--- a/restricted/slides3f.pptx
+++ b/restricted/slides3f.pptx
@@ -7686,13 +7686,51 @@
       </p:sp>
       <p:sp>
         <p:nvSpPr>
+          <p:cNvPr id="7" name="TextBox 6"/>
+          <p:cNvSpPr txBox="1"/>
+          <p:nvPr/>
+        </p:nvSpPr>
+        <p:spPr>
+          <a:xfrm>
+            <a:off x="507998" y="1439337"/>
+            <a:ext cx="5402666" cy="769441"/>
+          </a:xfrm>
+          <a:prstGeom prst="rect">
+            <a:avLst/>
+          </a:prstGeom>
+          <a:noFill/>
+        </p:spPr>
+        <p:txBody>
+          <a:bodyPr wrap="none" rtlCol="0">
+            <a:spAutoFit/>
+          </a:bodyPr>
+          <a:lstStyle/>
+          <a:p>
+            <a:r>
+              <a:rPr lang="en-US" sz="4400" dirty="0" smtClean="0">
+                <a:solidFill>
+                  <a:srgbClr val="000000"/>
+                </a:solidFill>
+                <a:latin typeface="Comic Sans MS"/>
+                <a:cs typeface="Comic Sans MS"/>
+              </a:rPr>
+              <a:t>Pf by contradiction: </a:t>
+            </a:r>
+            <a:endParaRPr lang="en-US" sz="5400" dirty="0" smtClean="0">
+              <a:latin typeface="Comic Sans MS" pitchFamily="66" charset="0"/>
+            </a:endParaRPr>
+          </a:p>
+        </p:txBody>
+      </p:sp>
+      <p:sp>
+        <p:nvSpPr>
           <p:cNvPr id="5" name="TextBox 4"/>
           <p:cNvSpPr txBox="1"/>
           <p:nvPr/>
         </p:nvSpPr>
         <p:spPr>
           <a:xfrm>
-            <a:off x="514337" y="1418703"/>
+            <a:off x="503754" y="1439869"/>
             <a:ext cx="7791942" cy="1446550"/>
           </a:xfrm>
           <a:prstGeom prst="rect">
@@ -8207,6 +8245,46 @@
           <a:chExt cx="0" cy="0"/>
         </a:xfrm>
       </p:grpSpPr>
+      <p:graphicFrame>
+        <p:nvGraphicFramePr>
+          <p:cNvPr id="25" name="Object 24"/>
+          <p:cNvGraphicFramePr>
+            <a:graphicFrameLocks noChangeAspect="1"/>
+          </p:cNvGraphicFramePr>
+          <p:nvPr/>
+        </p:nvGraphicFramePr>
+        <p:xfrm>
+          <a:off x="996536" y="4401899"/>
+          <a:ext cx="3338512" cy="1920875"/>
+        </p:xfrm>
+        <a:graphic>
+          <a:graphicData uri="http://schemas.openxmlformats.org/presentationml/2006/ole">
+            <p:oleObj spid="_x0000_s630786" name="Equation" r:id="rId4" imgW="838200" imgH="482600" progId="Equation.DSMT4">
+              <p:embed/>
+            </p:oleObj>
+          </a:graphicData>
+        </a:graphic>
+      </p:graphicFrame>
+      <p:graphicFrame>
+        <p:nvGraphicFramePr>
+          <p:cNvPr id="630787" name="Object 3"/>
+          <p:cNvGraphicFramePr>
+            <a:graphicFrameLocks noChangeAspect="1"/>
+          </p:cNvGraphicFramePr>
+          <p:nvPr/>
+        </p:nvGraphicFramePr>
+        <p:xfrm>
+          <a:off x="3144838" y="4494213"/>
+          <a:ext cx="3917950" cy="2063750"/>
+        </p:xfrm>
+        <a:graphic>
+          <a:graphicData uri="http://schemas.openxmlformats.org/presentationml/2006/ole">
+            <p:oleObj spid="_x0000_s630787" name="Equation" r:id="rId5" imgW="939800" imgH="495300" progId="Equation.DSMT4">
+              <p:embed/>
+            </p:oleObj>
+          </a:graphicData>
+        </a:graphic>
+      </p:graphicFrame>
       <p:sp>
         <p:nvSpPr>
           <p:cNvPr id="2" name="Title 1"/>
@@ -8508,7 +8586,7 @@
       </p:cxnSp>
       <p:grpSp>
         <p:nvGrpSpPr>
-          <p:cNvPr id="10" name="Group 43"/>
+          <p:cNvPr id="18" name="Group 17"/>
           <p:cNvGrpSpPr/>
           <p:nvPr/>
         </p:nvGrpSpPr>
@@ -8516,7 +8594,7 @@
           <a:xfrm>
             <a:off x="2075562" y="5654676"/>
             <a:ext cx="3669792" cy="885952"/>
-            <a:chOff x="2084832" y="5608320"/>
+            <a:chOff x="2075562" y="5654676"/>
             <a:chExt cx="3669792" cy="885952"/>
           </a:xfrm>
         </p:grpSpPr>
@@ -8528,7 +8606,7 @@
           </p:nvSpPr>
           <p:spPr>
             <a:xfrm>
-              <a:off x="2084832" y="5608320"/>
+              <a:off x="2075562" y="5654676"/>
               <a:ext cx="3669792" cy="885952"/>
             </a:xfrm>
             <a:custGeom>
@@ -8592,7 +8670,7 @@
                 </a:path>
               </a:pathLst>
             </a:custGeom>
-            <a:ln w="25400">
+            <a:ln w="31750">
               <a:solidFill>
                 <a:srgbClr val="FF0000"/>
               </a:solidFill>
@@ -8631,7 +8709,7 @@
           </p:nvSpPr>
           <p:spPr>
             <a:xfrm>
-              <a:off x="3419352" y="5887466"/>
+              <a:off x="3410082" y="5933822"/>
               <a:ext cx="960519" cy="584776"/>
             </a:xfrm>
             <a:prstGeom prst="rect">
@@ -8887,46 +8965,6 @@
           </a:p>
         </p:txBody>
       </p:sp>
-      <p:graphicFrame>
-        <p:nvGraphicFramePr>
-          <p:cNvPr id="25" name="Object 24"/>
-          <p:cNvGraphicFramePr>
-            <a:graphicFrameLocks noChangeAspect="1"/>
-          </p:cNvGraphicFramePr>
-          <p:nvPr/>
-        </p:nvGraphicFramePr>
-        <p:xfrm>
-          <a:off x="996536" y="4401899"/>
-          <a:ext cx="3338512" cy="1920875"/>
-        </p:xfrm>
-        <a:graphic>
-          <a:graphicData uri="http://schemas.openxmlformats.org/presentationml/2006/ole">
-            <p:oleObj spid="_x0000_s630786" name="Equation" r:id="rId4" imgW="838200" imgH="482600" progId="Equation.DSMT4">
-              <p:embed/>
-            </p:oleObj>
-          </a:graphicData>
-        </a:graphic>
-      </p:graphicFrame>
-      <p:graphicFrame>
-        <p:nvGraphicFramePr>
-          <p:cNvPr id="630787" name="Object 3"/>
-          <p:cNvGraphicFramePr>
-            <a:graphicFrameLocks noChangeAspect="1"/>
-          </p:cNvGraphicFramePr>
-          <p:nvPr/>
-        </p:nvGraphicFramePr>
-        <p:xfrm>
-          <a:off x="3144838" y="4494213"/>
-          <a:ext cx="3917950" cy="2063750"/>
-        </p:xfrm>
-        <a:graphic>
-          <a:graphicData uri="http://schemas.openxmlformats.org/presentationml/2006/ole">
-            <p:oleObj spid="_x0000_s630787" name="Equation" r:id="rId5" imgW="939800" imgH="495300" progId="Equation.DSMT4">
-              <p:embed/>
-            </p:oleObj>
-          </a:graphicData>
-        </a:graphic>
-      </p:graphicFrame>
       <p:graphicFrame>
         <p:nvGraphicFramePr>
           <p:cNvPr id="28" name="Object 27"/>
@@ -9286,7 +9324,7 @@
                                           </p:stCondLst>
                                         </p:cTn>
                                         <p:tgtEl>
-                                          <p:spTgt spid="10"/>
+                                          <p:spTgt spid="18"/>
                                         </p:tgtEl>
                                         <p:attrNameLst>
                                           <p:attrName>style.visibility</p:attrName>
@@ -9300,7 +9338,7 @@
                                       <p:cBhvr>
                                         <p:cTn id="34" dur="1000"/>
                                         <p:tgtEl>
-                                          <p:spTgt spid="10"/>
+                                          <p:spTgt spid="18"/>
                                         </p:tgtEl>
                                       </p:cBhvr>
                                     </p:animEffect>
@@ -11815,6 +11853,9 @@
   <p:clrMapOvr>
     <a:masterClrMapping/>
   </p:clrMapOvr>
+  <p:transition>
+    <p:fade/>
+  </p:transition>
   <p:timing>
     <p:tnLst>
       <p:par>
@@ -11836,7 +11877,7 @@
                             </p:stCondLst>
                             <p:childTnLst>
                               <p:par>
-                                <p:cTn id="5" presetID="1" presetClass="entr" presetSubtype="0" fill="hold" nodeType="clickEffect">
+                                <p:cTn id="5" presetID="9" presetClass="entr" presetSubtype="0" fill="hold" nodeType="clickEffect">
                                   <p:stCondLst>
                                     <p:cond delay="0"/>
                                   </p:stCondLst>
@@ -11863,6 +11904,18 @@
                                         <p:strVal val="visible"/>
                                       </p:to>
                                     </p:set>
+                                    <p:animEffect transition="in" filter="dissolve">
+                                      <p:cBhvr>
+                                        <p:cTn id="7" dur="500"/>
+                                        <p:tgtEl>
+                                          <p:spTgt spid="117767">
+                                            <p:txEl>
+                                              <p:pRg st="0" end="0"/>
+                                            </p:txEl>
+                                          </p:spTgt>
+                                        </p:tgtEl>
+                                      </p:cBhvr>
+                                    </p:animEffect>
                                   </p:childTnLst>
                                 </p:cTn>
                               </p:par>
@@ -11873,26 +11926,26 @@
                     </p:cTn>
                   </p:par>
                   <p:par>
-                    <p:cTn id="7" fill="hold">
+                    <p:cTn id="8" fill="hold">
                       <p:stCondLst>
                         <p:cond delay="indefinite"/>
                       </p:stCondLst>
                       <p:childTnLst>
                         <p:par>
-                          <p:cTn id="8" fill="hold">
+                          <p:cTn id="9" fill="hold">
                             <p:stCondLst>
                               <p:cond delay="0"/>
                             </p:stCondLst>
                             <p:childTnLst>
                               <p:par>
-                                <p:cTn id="9" presetID="22" presetClass="entr" presetSubtype="8" fill="hold" nodeType="clickEffect">
+                                <p:cTn id="10" presetID="22" presetClass="entr" presetSubtype="8" fill="hold" nodeType="clickEffect">
                                   <p:stCondLst>
                                     <p:cond delay="0"/>
                                   </p:stCondLst>
                                   <p:childTnLst>
                                     <p:set>
                                       <p:cBhvr>
-                                        <p:cTn id="10" dur="1" fill="hold">
+                                        <p:cTn id="11" dur="1" fill="hold">
                                           <p:stCondLst>
                                             <p:cond delay="0"/>
                                           </p:stCondLst>
@@ -11910,7 +11963,7 @@
                                     </p:set>
                                     <p:animEffect transition="in" filter="wipe(left)">
                                       <p:cBhvr>
-                                        <p:cTn id="11" dur="1000"/>
+                                        <p:cTn id="12" dur="1000"/>
                                         <p:tgtEl>
                                           <p:spTgt spid="608258"/>
                                         </p:tgtEl>
@@ -11923,20 +11976,20 @@
                           </p:cTn>
                         </p:par>
                         <p:par>
-                          <p:cTn id="12" fill="hold">
+                          <p:cTn id="13" fill="hold">
                             <p:stCondLst>
                               <p:cond delay="1000"/>
                             </p:stCondLst>
                             <p:childTnLst>
                               <p:par>
-                                <p:cTn id="13" presetID="15" presetClass="entr" presetSubtype="0" fill="hold" nodeType="afterEffect">
+                                <p:cTn id="14" presetID="15" presetClass="entr" presetSubtype="0" fill="hold" nodeType="afterEffect">
                                   <p:stCondLst>
                                     <p:cond delay="0"/>
                                   </p:stCondLst>
                                   <p:childTnLst>
                                     <p:set>
                                       <p:cBhvr>
-                                        <p:cTn id="14" dur="1" fill="hold">
+                                        <p:cTn id="15" dur="1" fill="hold">
                                           <p:stCondLst>
                                             <p:cond delay="0"/>
                                           </p:stCondLst>
@@ -11958,7 +12011,7 @@
                                     </p:set>
                                     <p:anim calcmode="lin" valueType="num">
                                       <p:cBhvr>
-                                        <p:cTn id="15" dur="1000" fill="hold"/>
+                                        <p:cTn id="16" dur="1000" fill="hold"/>
                                         <p:tgtEl>
                                           <p:spTgt spid="8">
                                             <p:txEl>
@@ -11985,7 +12038,7 @@
                                     </p:anim>
                                     <p:anim calcmode="lin" valueType="num">
                                       <p:cBhvr>
-                                        <p:cTn id="16" dur="1000" fill="hold"/>
+                                        <p:cTn id="17" dur="1000" fill="hold"/>
                                         <p:tgtEl>
                                           <p:spTgt spid="8">
                                             <p:txEl>
@@ -12012,7 +12065,7 @@
                                     </p:anim>
                                     <p:anim calcmode="lin" valueType="num">
                                       <p:cBhvr>
-                                        <p:cTn id="17" dur="1000" fill="hold"/>
+                                        <p:cTn id="18" dur="1000" fill="hold"/>
                                         <p:tgtEl>
                                           <p:spTgt spid="8">
                                             <p:txEl>
@@ -12039,7 +12092,7 @@
                                     </p:anim>
                                     <p:anim calcmode="lin" valueType="num">
                                       <p:cBhvr>
-                                        <p:cTn id="18" dur="1000" fill="hold"/>
+                                        <p:cTn id="19" dur="1000" fill="hold"/>
                                         <p:tgtEl>
                                           <p:spTgt spid="8">
                                             <p:txEl>
@@ -12074,26 +12127,26 @@
                     </p:cTn>
                   </p:par>
                   <p:par>
-                    <p:cTn id="19" fill="hold">
+                    <p:cTn id="20" fill="hold">
                       <p:stCondLst>
                         <p:cond delay="indefinite"/>
                       </p:stCondLst>
                       <p:childTnLst>
                         <p:par>
-                          <p:cTn id="20" fill="hold">
+                          <p:cTn id="21" fill="hold">
                             <p:stCondLst>
                               <p:cond delay="0"/>
                             </p:stCondLst>
                             <p:childTnLst>
                               <p:par>
-                                <p:cTn id="21" presetID="9" presetClass="entr" presetSubtype="0" fill="hold" nodeType="clickEffect">
+                                <p:cTn id="22" presetID="9" presetClass="entr" presetSubtype="0" fill="hold" nodeType="clickEffect">
                                   <p:stCondLst>
                                     <p:cond delay="0"/>
                                   </p:stCondLst>
                                   <p:childTnLst>
                                     <p:set>
                                       <p:cBhvr>
-                                        <p:cTn id="22" dur="1" fill="hold">
+                                        <p:cTn id="23" dur="1" fill="hold">
                                           <p:stCondLst>
                                             <p:cond delay="0"/>
                                           </p:stCondLst>
@@ -12115,7 +12168,7 @@
                                     </p:set>
                                     <p:animEffect transition="in" filter="dissolve">
                                       <p:cBhvr>
-                                        <p:cTn id="23" dur="500"/>
+                                        <p:cTn id="24" dur="500"/>
                                         <p:tgtEl>
                                           <p:spTgt spid="8">
                                             <p:txEl>
@@ -12129,14 +12182,14 @@
                                 </p:cTn>
                               </p:par>
                               <p:par>
-                                <p:cTn id="24" presetID="9" presetClass="entr" presetSubtype="0" fill="hold" nodeType="withEffect">
+                                <p:cTn id="25" presetID="9" presetClass="entr" presetSubtype="0" fill="hold" nodeType="withEffect">
                                   <p:stCondLst>
                                     <p:cond delay="0"/>
                                   </p:stCondLst>
                                   <p:childTnLst>
                                     <p:set>
                                       <p:cBhvr>
-                                        <p:cTn id="25" dur="1" fill="hold">
+                                        <p:cTn id="26" dur="1" fill="hold">
                                           <p:stCondLst>
                                             <p:cond delay="0"/>
                                           </p:stCondLst>
@@ -12158,7 +12211,7 @@
                                     </p:set>
                                     <p:animEffect transition="in" filter="dissolve">
                                       <p:cBhvr>
-                                        <p:cTn id="26" dur="500"/>
+                                        <p:cTn id="27" dur="500"/>
                                         <p:tgtEl>
                                           <p:spTgt spid="8">
                                             <p:txEl>
@@ -12445,7 +12498,7 @@
   <p:clrMapOvr>
     <a:masterClrMapping/>
   </p:clrMapOvr>
-  <p:transition>
+  <p:transition spd="slow">
     <p:fade/>
   </p:transition>
   <p:timing>
